--- a/documentation/Java training 23- Maven - Repositories & Dependency.pptx
+++ b/documentation/Java training 23- Maven - Repositories & Dependency.pptx
@@ -225,7 +225,7 @@
           <a:p>
             <a:fld id="{73A75711-008A-44DA-88BD-E3A055973083}" type="datetimeFigureOut">
               <a:rPr lang="hu-HU" smtClean="0"/>
-              <a:t>2015.10.15.</a:t>
+              <a:t>2015.10.16.</a:t>
             </a:fld>
             <a:endParaRPr lang="hu-HU"/>
           </a:p>
@@ -624,7 +624,7 @@
           <a:p>
             <a:fld id="{C6E8B002-83F0-41C5-A7B7-2819A96BD9B2}" type="datetimeFigureOut">
               <a:rPr lang="hu-HU" smtClean="0"/>
-              <a:t>2015.10.15.</a:t>
+              <a:t>2015.10.16.</a:t>
             </a:fld>
             <a:endParaRPr lang="hu-HU"/>
           </a:p>
@@ -794,7 +794,7 @@
           <a:p>
             <a:fld id="{C6E8B002-83F0-41C5-A7B7-2819A96BD9B2}" type="datetimeFigureOut">
               <a:rPr lang="hu-HU" smtClean="0"/>
-              <a:t>2015.10.15.</a:t>
+              <a:t>2015.10.16.</a:t>
             </a:fld>
             <a:endParaRPr lang="hu-HU"/>
           </a:p>
@@ -974,7 +974,7 @@
           <a:p>
             <a:fld id="{C6E8B002-83F0-41C5-A7B7-2819A96BD9B2}" type="datetimeFigureOut">
               <a:rPr lang="hu-HU" smtClean="0"/>
-              <a:t>2015.10.15.</a:t>
+              <a:t>2015.10.16.</a:t>
             </a:fld>
             <a:endParaRPr lang="hu-HU"/>
           </a:p>
@@ -1144,7 +1144,7 @@
           <a:p>
             <a:fld id="{C6E8B002-83F0-41C5-A7B7-2819A96BD9B2}" type="datetimeFigureOut">
               <a:rPr lang="hu-HU" smtClean="0"/>
-              <a:t>2015.10.15.</a:t>
+              <a:t>2015.10.16.</a:t>
             </a:fld>
             <a:endParaRPr lang="hu-HU"/>
           </a:p>
@@ -1388,7 +1388,7 @@
           <a:p>
             <a:fld id="{C6E8B002-83F0-41C5-A7B7-2819A96BD9B2}" type="datetimeFigureOut">
               <a:rPr lang="hu-HU" smtClean="0"/>
-              <a:t>2015.10.15.</a:t>
+              <a:t>2015.10.16.</a:t>
             </a:fld>
             <a:endParaRPr lang="hu-HU"/>
           </a:p>
@@ -1620,7 +1620,7 @@
           <a:p>
             <a:fld id="{C6E8B002-83F0-41C5-A7B7-2819A96BD9B2}" type="datetimeFigureOut">
               <a:rPr lang="hu-HU" smtClean="0"/>
-              <a:t>2015.10.15.</a:t>
+              <a:t>2015.10.16.</a:t>
             </a:fld>
             <a:endParaRPr lang="hu-HU"/>
           </a:p>
@@ -1987,7 +1987,7 @@
           <a:p>
             <a:fld id="{C6E8B002-83F0-41C5-A7B7-2819A96BD9B2}" type="datetimeFigureOut">
               <a:rPr lang="hu-HU" smtClean="0"/>
-              <a:t>2015.10.15.</a:t>
+              <a:t>2015.10.16.</a:t>
             </a:fld>
             <a:endParaRPr lang="hu-HU"/>
           </a:p>
@@ -2105,7 +2105,7 @@
           <a:p>
             <a:fld id="{C6E8B002-83F0-41C5-A7B7-2819A96BD9B2}" type="datetimeFigureOut">
               <a:rPr lang="hu-HU" smtClean="0"/>
-              <a:t>2015.10.15.</a:t>
+              <a:t>2015.10.16.</a:t>
             </a:fld>
             <a:endParaRPr lang="hu-HU"/>
           </a:p>
@@ -2200,7 +2200,7 @@
           <a:p>
             <a:fld id="{C6E8B002-83F0-41C5-A7B7-2819A96BD9B2}" type="datetimeFigureOut">
               <a:rPr lang="hu-HU" smtClean="0"/>
-              <a:t>2015.10.15.</a:t>
+              <a:t>2015.10.16.</a:t>
             </a:fld>
             <a:endParaRPr lang="hu-HU"/>
           </a:p>
@@ -2477,7 +2477,7 @@
           <a:p>
             <a:fld id="{C6E8B002-83F0-41C5-A7B7-2819A96BD9B2}" type="datetimeFigureOut">
               <a:rPr lang="hu-HU" smtClean="0"/>
-              <a:t>2015.10.15.</a:t>
+              <a:t>2015.10.16.</a:t>
             </a:fld>
             <a:endParaRPr lang="hu-HU"/>
           </a:p>
@@ -2734,7 +2734,7 @@
           <a:p>
             <a:fld id="{C6E8B002-83F0-41C5-A7B7-2819A96BD9B2}" type="datetimeFigureOut">
               <a:rPr lang="hu-HU" smtClean="0"/>
-              <a:t>2015.10.15.</a:t>
+              <a:t>2015.10.16.</a:t>
             </a:fld>
             <a:endParaRPr lang="hu-HU"/>
           </a:p>
@@ -2954,7 +2954,7 @@
           <a:p>
             <a:fld id="{C6E8B002-83F0-41C5-A7B7-2819A96BD9B2}" type="datetimeFigureOut">
               <a:rPr lang="hu-HU" smtClean="0"/>
-              <a:t>2015.10.15.</a:t>
+              <a:t>2015.10.16.</a:t>
             </a:fld>
             <a:endParaRPr lang="hu-HU"/>
           </a:p>
@@ -3827,7 +3827,6 @@
               <a:rPr lang="en-US" sz="1260" dirty="0"/>
               <a:t>&lt;/dependencies&gt;</a:t>
             </a:r>
-            <a:endParaRPr lang="en-US" sz="1260" dirty="0"/>
           </a:p>
         </p:txBody>
       </p:sp>
@@ -3900,11 +3899,7 @@
             </a:r>
             <a:r>
               <a:rPr lang="hu-HU" dirty="0" smtClean="0"/>
-              <a:t> </a:t>
-            </a:r>
-            <a:r>
-              <a:rPr lang="hu-HU" dirty="0" smtClean="0"/>
-              <a:t>management</a:t>
+              <a:t> management</a:t>
             </a:r>
             <a:endParaRPr lang="hu-HU" dirty="0"/>
           </a:p>
@@ -6713,7 +6708,7 @@
         </p:nvSpPr>
         <p:spPr>
           <a:xfrm>
-            <a:off x="1195097" y="2080241"/>
+            <a:off x="1395375" y="2023796"/>
             <a:ext cx="7073294" cy="1643527"/>
           </a:xfrm>
           <a:prstGeom prst="rect">
@@ -7082,13 +7077,8 @@
           <a:p>
             <a:r>
               <a:rPr lang="hu-HU" dirty="0" smtClean="0"/>
-              <a:t>Innen tölthetjük le a </a:t>
-            </a:r>
-            <a:r>
-              <a:rPr lang="hu-HU" dirty="0" smtClean="0"/>
-              <a:t>szükséges termékeket</a:t>
-            </a:r>
-            <a:endParaRPr lang="hu-HU" dirty="0" smtClean="0"/>
+              <a:t>Innen tölthetjük le a szükséges termékeket</a:t>
+            </a:r>
           </a:p>
           <a:p>
             <a:r>
@@ -7447,11 +7437,7 @@
           <a:p>
             <a:r>
               <a:rPr lang="en-US" sz="1260" dirty="0"/>
-              <a:t>&lt;</a:t>
-            </a:r>
-            <a:r>
-              <a:rPr lang="en-US" sz="1260" dirty="0"/>
-              <a:t>repositories&gt;</a:t>
+              <a:t>&lt;repositories&gt;</a:t>
             </a:r>
           </a:p>
           <a:p>
@@ -7509,15 +7495,7 @@
           <a:p>
             <a:r>
               <a:rPr lang="en-US" sz="1260" dirty="0"/>
-              <a:t> </a:t>
-            </a:r>
-            <a:r>
-              <a:rPr lang="en-US" sz="1260" dirty="0"/>
-              <a:t>&lt;/</a:t>
-            </a:r>
-            <a:r>
-              <a:rPr lang="en-US" sz="1260" dirty="0"/>
-              <a:t>repositories&gt;</a:t>
+              <a:t> &lt;/repositories&gt;</a:t>
             </a:r>
             <a:endParaRPr lang="hu-HU" sz="1260" dirty="0"/>
           </a:p>
@@ -7756,11 +7734,7 @@
           <a:p>
             <a:r>
               <a:rPr lang="hu-HU" sz="1260" dirty="0"/>
-              <a:t> </a:t>
-            </a:r>
-            <a:r>
-              <a:rPr lang="hu-HU" sz="1260" dirty="0"/>
-              <a:t>&lt;/</a:t>
+              <a:t> &lt;/</a:t>
             </a:r>
             <a:r>
               <a:rPr lang="hu-HU" sz="1260" dirty="0" err="1"/>
@@ -8073,30 +8047,18 @@
           <a:p>
             <a:r>
               <a:rPr lang="en-US" sz="1260" dirty="0"/>
-              <a:t>        &lt;enabled&gt;false&lt;/enabled</a:t>
+              <a:t>        &lt;enabled&gt;false&lt;/enabled&gt;</a:t>
+            </a:r>
+            <a:endParaRPr lang="hu-HU" sz="1260" dirty="0"/>
+          </a:p>
+          <a:p>
+            <a:r>
+              <a:rPr lang="hu-HU" sz="1260" dirty="0"/>
+              <a:t>      </a:t>
             </a:r>
             <a:r>
               <a:rPr lang="en-US" sz="1260" dirty="0"/>
-              <a:t>&gt;</a:t>
-            </a:r>
-            <a:endParaRPr lang="hu-HU" sz="1260" dirty="0"/>
-          </a:p>
-          <a:p>
-            <a:r>
-              <a:rPr lang="hu-HU" sz="1260" dirty="0"/>
-              <a:t> </a:t>
-            </a:r>
-            <a:r>
-              <a:rPr lang="hu-HU" sz="1260" dirty="0"/>
-              <a:t>     </a:t>
-            </a:r>
-            <a:r>
-              <a:rPr lang="en-US" sz="1260" dirty="0"/>
-              <a:t>&lt;/</a:t>
-            </a:r>
-            <a:r>
-              <a:rPr lang="en-US" sz="1260" dirty="0"/>
-              <a:t>snapshots&gt;</a:t>
+              <a:t>&lt;/snapshots&gt;</a:t>
             </a:r>
           </a:p>
           <a:p>
